--- a/aws/notes.ptx.pptx
+++ b/aws/notes.ptx.pptx
@@ -6,6 +6,7 @@
   </p:sldMasterIdLst>
   <p:sldIdLst>
     <p:sldId id="256" r:id="rId2"/>
+    <p:sldId id="257" r:id="rId3"/>
   </p:sldIdLst>
   <p:sldSz cx="12192000" cy="6858000"/>
   <p:notesSz cx="6858000" cy="9144000"/>
@@ -104,6 +105,11 @@
       </a:defRPr>
     </a:lvl9pPr>
   </p:defaultTextStyle>
+  <p:extLst>
+    <p:ext uri="{EFAFB233-063F-42B5-8137-9DF3F51BA10A}">
+      <p15:sldGuideLst xmlns:p15="http://schemas.microsoft.com/office/powerpoint/2012/main"/>
+    </p:ext>
+  </p:extLst>
 </p:presentation>
 </file>
 
@@ -266,7 +272,7 @@
           <a:p>
             <a:fld id="{62A37502-D2BC-4CCE-B997-7846B62D84DF}" type="datetimeFigureOut">
               <a:rPr lang="en-US" smtClean="0"/>
-              <a:t>12/5/2019</a:t>
+              <a:t>12/7/2019</a:t>
             </a:fld>
             <a:endParaRPr lang="en-US"/>
           </a:p>
@@ -464,7 +470,7 @@
           <a:p>
             <a:fld id="{62A37502-D2BC-4CCE-B997-7846B62D84DF}" type="datetimeFigureOut">
               <a:rPr lang="en-US" smtClean="0"/>
-              <a:t>12/5/2019</a:t>
+              <a:t>12/7/2019</a:t>
             </a:fld>
             <a:endParaRPr lang="en-US"/>
           </a:p>
@@ -672,7 +678,7 @@
           <a:p>
             <a:fld id="{62A37502-D2BC-4CCE-B997-7846B62D84DF}" type="datetimeFigureOut">
               <a:rPr lang="en-US" smtClean="0"/>
-              <a:t>12/5/2019</a:t>
+              <a:t>12/7/2019</a:t>
             </a:fld>
             <a:endParaRPr lang="en-US"/>
           </a:p>
@@ -870,7 +876,7 @@
           <a:p>
             <a:fld id="{62A37502-D2BC-4CCE-B997-7846B62D84DF}" type="datetimeFigureOut">
               <a:rPr lang="en-US" smtClean="0"/>
-              <a:t>12/5/2019</a:t>
+              <a:t>12/7/2019</a:t>
             </a:fld>
             <a:endParaRPr lang="en-US"/>
           </a:p>
@@ -1145,7 +1151,7 @@
           <a:p>
             <a:fld id="{62A37502-D2BC-4CCE-B997-7846B62D84DF}" type="datetimeFigureOut">
               <a:rPr lang="en-US" smtClean="0"/>
-              <a:t>12/5/2019</a:t>
+              <a:t>12/7/2019</a:t>
             </a:fld>
             <a:endParaRPr lang="en-US"/>
           </a:p>
@@ -1410,7 +1416,7 @@
           <a:p>
             <a:fld id="{62A37502-D2BC-4CCE-B997-7846B62D84DF}" type="datetimeFigureOut">
               <a:rPr lang="en-US" smtClean="0"/>
-              <a:t>12/5/2019</a:t>
+              <a:t>12/7/2019</a:t>
             </a:fld>
             <a:endParaRPr lang="en-US"/>
           </a:p>
@@ -1822,7 +1828,7 @@
           <a:p>
             <a:fld id="{62A37502-D2BC-4CCE-B997-7846B62D84DF}" type="datetimeFigureOut">
               <a:rPr lang="en-US" smtClean="0"/>
-              <a:t>12/5/2019</a:t>
+              <a:t>12/7/2019</a:t>
             </a:fld>
             <a:endParaRPr lang="en-US"/>
           </a:p>
@@ -1963,7 +1969,7 @@
           <a:p>
             <a:fld id="{62A37502-D2BC-4CCE-B997-7846B62D84DF}" type="datetimeFigureOut">
               <a:rPr lang="en-US" smtClean="0"/>
-              <a:t>12/5/2019</a:t>
+              <a:t>12/7/2019</a:t>
             </a:fld>
             <a:endParaRPr lang="en-US"/>
           </a:p>
@@ -2076,7 +2082,7 @@
           <a:p>
             <a:fld id="{62A37502-D2BC-4CCE-B997-7846B62D84DF}" type="datetimeFigureOut">
               <a:rPr lang="en-US" smtClean="0"/>
-              <a:t>12/5/2019</a:t>
+              <a:t>12/7/2019</a:t>
             </a:fld>
             <a:endParaRPr lang="en-US"/>
           </a:p>
@@ -2387,7 +2393,7 @@
           <a:p>
             <a:fld id="{62A37502-D2BC-4CCE-B997-7846B62D84DF}" type="datetimeFigureOut">
               <a:rPr lang="en-US" smtClean="0"/>
-              <a:t>12/5/2019</a:t>
+              <a:t>12/7/2019</a:t>
             </a:fld>
             <a:endParaRPr lang="en-US"/>
           </a:p>
@@ -2675,7 +2681,7 @@
           <a:p>
             <a:fld id="{62A37502-D2BC-4CCE-B997-7846B62D84DF}" type="datetimeFigureOut">
               <a:rPr lang="en-US" smtClean="0"/>
-              <a:t>12/5/2019</a:t>
+              <a:t>12/7/2019</a:t>
             </a:fld>
             <a:endParaRPr lang="en-US"/>
           </a:p>
@@ -2916,7 +2922,7 @@
           <a:p>
             <a:fld id="{62A37502-D2BC-4CCE-B997-7846B62D84DF}" type="datetimeFigureOut">
               <a:rPr lang="en-US" smtClean="0"/>
-              <a:t>12/5/2019</a:t>
+              <a:t>12/7/2019</a:t>
             </a:fld>
             <a:endParaRPr lang="en-US"/>
           </a:p>
@@ -3878,6 +3884,456 @@
 </p:sld>
 </file>
 
+<file path=ppt/slides/slide2.xml><?xml version="1.0" encoding="utf-8"?>
+<p:sld xmlns:a="http://schemas.openxmlformats.org/drawingml/2006/main" xmlns:r="http://schemas.openxmlformats.org/officeDocument/2006/relationships" xmlns:p="http://schemas.openxmlformats.org/presentationml/2006/main">
+  <p:cSld>
+    <p:spTree>
+      <p:nvGrpSpPr>
+        <p:cNvPr id="1" name=""/>
+        <p:cNvGrpSpPr/>
+        <p:nvPr/>
+      </p:nvGrpSpPr>
+      <p:grpSpPr>
+        <a:xfrm>
+          <a:off x="0" y="0"/>
+          <a:ext cx="0" cy="0"/>
+          <a:chOff x="0" y="0"/>
+          <a:chExt cx="0" cy="0"/>
+        </a:xfrm>
+      </p:grpSpPr>
+      <p:sp>
+        <p:nvSpPr>
+          <p:cNvPr id="2" name="Rectangle: Rounded Corners 1">
+            <a:extLst>
+              <a:ext uri="{FF2B5EF4-FFF2-40B4-BE49-F238E27FC236}">
+                <a16:creationId xmlns:a16="http://schemas.microsoft.com/office/drawing/2014/main" id="{29BD1524-D3B4-481C-A045-E31ABFD4B8E4}"/>
+              </a:ext>
+            </a:extLst>
+          </p:cNvPr>
+          <p:cNvSpPr/>
+          <p:nvPr/>
+        </p:nvSpPr>
+        <p:spPr>
+          <a:xfrm>
+            <a:off x="1343025" y="1066800"/>
+            <a:ext cx="2257425" cy="571500"/>
+          </a:xfrm>
+          <a:prstGeom prst="roundRect">
+            <a:avLst/>
+          </a:prstGeom>
+          <a:solidFill>
+            <a:schemeClr val="tx2">
+              <a:lumMod val="20000"/>
+              <a:lumOff val="80000"/>
+            </a:schemeClr>
+          </a:solidFill>
+        </p:spPr>
+        <p:style>
+          <a:lnRef idx="2">
+            <a:schemeClr val="accent1">
+              <a:shade val="50000"/>
+            </a:schemeClr>
+          </a:lnRef>
+          <a:fillRef idx="1">
+            <a:schemeClr val="accent1"/>
+          </a:fillRef>
+          <a:effectRef idx="0">
+            <a:schemeClr val="accent1"/>
+          </a:effectRef>
+          <a:fontRef idx="minor">
+            <a:schemeClr val="lt1"/>
+          </a:fontRef>
+        </p:style>
+        <p:txBody>
+          <a:bodyPr rtlCol="0" anchor="ctr"/>
+          <a:lstStyle/>
+          <a:p>
+            <a:r>
+              <a:rPr lang="en-US" b="1" dirty="0">
+                <a:solidFill>
+                  <a:schemeClr val="tx1"/>
+                </a:solidFill>
+                <a:latin typeface="Times New Roman" panose="02020603050405020304" pitchFamily="18" charset="0"/>
+                <a:cs typeface="Times New Roman" panose="02020603050405020304" pitchFamily="18" charset="0"/>
+              </a:rPr>
+              <a:t>7. Application</a:t>
+            </a:r>
+          </a:p>
+        </p:txBody>
+      </p:sp>
+      <p:sp>
+        <p:nvSpPr>
+          <p:cNvPr id="17" name="Rectangle: Rounded Corners 16">
+            <a:extLst>
+              <a:ext uri="{FF2B5EF4-FFF2-40B4-BE49-F238E27FC236}">
+                <a16:creationId xmlns:a16="http://schemas.microsoft.com/office/drawing/2014/main" id="{B33ABA85-2316-40BA-B45B-F992E753B269}"/>
+              </a:ext>
+            </a:extLst>
+          </p:cNvPr>
+          <p:cNvSpPr/>
+          <p:nvPr/>
+        </p:nvSpPr>
+        <p:spPr>
+          <a:xfrm>
+            <a:off x="1343021" y="1790700"/>
+            <a:ext cx="2257425" cy="571500"/>
+          </a:xfrm>
+          <a:prstGeom prst="roundRect">
+            <a:avLst/>
+          </a:prstGeom>
+          <a:solidFill>
+            <a:schemeClr val="accent1">
+              <a:lumMod val="20000"/>
+              <a:lumOff val="80000"/>
+            </a:schemeClr>
+          </a:solidFill>
+        </p:spPr>
+        <p:style>
+          <a:lnRef idx="2">
+            <a:schemeClr val="accent1">
+              <a:shade val="50000"/>
+            </a:schemeClr>
+          </a:lnRef>
+          <a:fillRef idx="1">
+            <a:schemeClr val="accent1"/>
+          </a:fillRef>
+          <a:effectRef idx="0">
+            <a:schemeClr val="accent1"/>
+          </a:effectRef>
+          <a:fontRef idx="minor">
+            <a:schemeClr val="lt1"/>
+          </a:fontRef>
+        </p:style>
+        <p:txBody>
+          <a:bodyPr rtlCol="0" anchor="ctr"/>
+          <a:lstStyle/>
+          <a:p>
+            <a:r>
+              <a:rPr lang="en-US" b="1" dirty="0">
+                <a:solidFill>
+                  <a:schemeClr val="tx1"/>
+                </a:solidFill>
+                <a:latin typeface="Times New Roman" panose="02020603050405020304" pitchFamily="18" charset="0"/>
+                <a:cs typeface="Times New Roman" panose="02020603050405020304" pitchFamily="18" charset="0"/>
+              </a:rPr>
+              <a:t>6. Presentation</a:t>
+            </a:r>
+          </a:p>
+        </p:txBody>
+      </p:sp>
+      <p:sp>
+        <p:nvSpPr>
+          <p:cNvPr id="18" name="Rectangle: Rounded Corners 17">
+            <a:extLst>
+              <a:ext uri="{FF2B5EF4-FFF2-40B4-BE49-F238E27FC236}">
+                <a16:creationId xmlns:a16="http://schemas.microsoft.com/office/drawing/2014/main" id="{34EDD994-DEE9-47F4-B1CC-1379E13EF245}"/>
+              </a:ext>
+            </a:extLst>
+          </p:cNvPr>
+          <p:cNvSpPr/>
+          <p:nvPr/>
+        </p:nvSpPr>
+        <p:spPr>
+          <a:xfrm>
+            <a:off x="1343021" y="2514600"/>
+            <a:ext cx="2257425" cy="571500"/>
+          </a:xfrm>
+          <a:prstGeom prst="roundRect">
+            <a:avLst/>
+          </a:prstGeom>
+          <a:solidFill>
+            <a:schemeClr val="accent2">
+              <a:lumMod val="20000"/>
+              <a:lumOff val="80000"/>
+            </a:schemeClr>
+          </a:solidFill>
+        </p:spPr>
+        <p:style>
+          <a:lnRef idx="2">
+            <a:schemeClr val="accent1">
+              <a:shade val="50000"/>
+            </a:schemeClr>
+          </a:lnRef>
+          <a:fillRef idx="1">
+            <a:schemeClr val="accent1"/>
+          </a:fillRef>
+          <a:effectRef idx="0">
+            <a:schemeClr val="accent1"/>
+          </a:effectRef>
+          <a:fontRef idx="minor">
+            <a:schemeClr val="lt1"/>
+          </a:fontRef>
+        </p:style>
+        <p:txBody>
+          <a:bodyPr rtlCol="0" anchor="ctr"/>
+          <a:lstStyle/>
+          <a:p>
+            <a:r>
+              <a:rPr lang="en-US" b="1" dirty="0">
+                <a:solidFill>
+                  <a:schemeClr val="tx1"/>
+                </a:solidFill>
+                <a:latin typeface="Times New Roman" panose="02020603050405020304" pitchFamily="18" charset="0"/>
+                <a:cs typeface="Times New Roman" panose="02020603050405020304" pitchFamily="18" charset="0"/>
+              </a:rPr>
+              <a:t>5. Session</a:t>
+            </a:r>
+          </a:p>
+        </p:txBody>
+      </p:sp>
+      <p:sp>
+        <p:nvSpPr>
+          <p:cNvPr id="19" name="Rectangle: Rounded Corners 18">
+            <a:extLst>
+              <a:ext uri="{FF2B5EF4-FFF2-40B4-BE49-F238E27FC236}">
+                <a16:creationId xmlns:a16="http://schemas.microsoft.com/office/drawing/2014/main" id="{B363F7FA-F554-4307-9267-B233B17A5C91}"/>
+              </a:ext>
+            </a:extLst>
+          </p:cNvPr>
+          <p:cNvSpPr/>
+          <p:nvPr/>
+        </p:nvSpPr>
+        <p:spPr>
+          <a:xfrm>
+            <a:off x="1343023" y="3228975"/>
+            <a:ext cx="2257425" cy="571500"/>
+          </a:xfrm>
+          <a:prstGeom prst="roundRect">
+            <a:avLst/>
+          </a:prstGeom>
+          <a:solidFill>
+            <a:schemeClr val="accent3">
+              <a:lumMod val="20000"/>
+              <a:lumOff val="80000"/>
+            </a:schemeClr>
+          </a:solidFill>
+        </p:spPr>
+        <p:style>
+          <a:lnRef idx="2">
+            <a:schemeClr val="accent1">
+              <a:shade val="50000"/>
+            </a:schemeClr>
+          </a:lnRef>
+          <a:fillRef idx="1">
+            <a:schemeClr val="accent1"/>
+          </a:fillRef>
+          <a:effectRef idx="0">
+            <a:schemeClr val="accent1"/>
+          </a:effectRef>
+          <a:fontRef idx="minor">
+            <a:schemeClr val="lt1"/>
+          </a:fontRef>
+        </p:style>
+        <p:txBody>
+          <a:bodyPr rtlCol="0" anchor="ctr"/>
+          <a:lstStyle/>
+          <a:p>
+            <a:r>
+              <a:rPr lang="en-US" b="1" dirty="0">
+                <a:solidFill>
+                  <a:schemeClr val="tx1"/>
+                </a:solidFill>
+                <a:latin typeface="Times New Roman" panose="02020603050405020304" pitchFamily="18" charset="0"/>
+                <a:cs typeface="Times New Roman" panose="02020603050405020304" pitchFamily="18" charset="0"/>
+              </a:rPr>
+              <a:t>4. Transport</a:t>
+            </a:r>
+          </a:p>
+        </p:txBody>
+      </p:sp>
+      <p:sp>
+        <p:nvSpPr>
+          <p:cNvPr id="20" name="Rectangle: Rounded Corners 19">
+            <a:extLst>
+              <a:ext uri="{FF2B5EF4-FFF2-40B4-BE49-F238E27FC236}">
+                <a16:creationId xmlns:a16="http://schemas.microsoft.com/office/drawing/2014/main" id="{F147D6DC-C890-48E0-9AAA-2197DF63D491}"/>
+              </a:ext>
+            </a:extLst>
+          </p:cNvPr>
+          <p:cNvSpPr/>
+          <p:nvPr/>
+        </p:nvSpPr>
+        <p:spPr>
+          <a:xfrm>
+            <a:off x="1343024" y="3990975"/>
+            <a:ext cx="2257425" cy="571500"/>
+          </a:xfrm>
+          <a:prstGeom prst="roundRect">
+            <a:avLst/>
+          </a:prstGeom>
+          <a:solidFill>
+            <a:schemeClr val="accent4">
+              <a:lumMod val="20000"/>
+              <a:lumOff val="80000"/>
+            </a:schemeClr>
+          </a:solidFill>
+        </p:spPr>
+        <p:style>
+          <a:lnRef idx="2">
+            <a:schemeClr val="accent1">
+              <a:shade val="50000"/>
+            </a:schemeClr>
+          </a:lnRef>
+          <a:fillRef idx="1">
+            <a:schemeClr val="accent1"/>
+          </a:fillRef>
+          <a:effectRef idx="0">
+            <a:schemeClr val="accent1"/>
+          </a:effectRef>
+          <a:fontRef idx="minor">
+            <a:schemeClr val="lt1"/>
+          </a:fontRef>
+        </p:style>
+        <p:txBody>
+          <a:bodyPr rtlCol="0" anchor="ctr"/>
+          <a:lstStyle/>
+          <a:p>
+            <a:r>
+              <a:rPr lang="en-US" b="1" dirty="0">
+                <a:solidFill>
+                  <a:schemeClr val="tx1"/>
+                </a:solidFill>
+                <a:latin typeface="Times New Roman" panose="02020603050405020304" pitchFamily="18" charset="0"/>
+                <a:cs typeface="Times New Roman" panose="02020603050405020304" pitchFamily="18" charset="0"/>
+              </a:rPr>
+              <a:t>3. Network</a:t>
+            </a:r>
+          </a:p>
+        </p:txBody>
+      </p:sp>
+      <p:sp>
+        <p:nvSpPr>
+          <p:cNvPr id="21" name="Rectangle: Rounded Corners 20">
+            <a:extLst>
+              <a:ext uri="{FF2B5EF4-FFF2-40B4-BE49-F238E27FC236}">
+                <a16:creationId xmlns:a16="http://schemas.microsoft.com/office/drawing/2014/main" id="{9E3BA3EC-2361-48E1-99E6-DB474B7A7AA4}"/>
+              </a:ext>
+            </a:extLst>
+          </p:cNvPr>
+          <p:cNvSpPr/>
+          <p:nvPr/>
+        </p:nvSpPr>
+        <p:spPr>
+          <a:xfrm>
+            <a:off x="1343025" y="4714875"/>
+            <a:ext cx="2257425" cy="571500"/>
+          </a:xfrm>
+          <a:prstGeom prst="roundRect">
+            <a:avLst/>
+          </a:prstGeom>
+          <a:solidFill>
+            <a:schemeClr val="accent5">
+              <a:lumMod val="20000"/>
+              <a:lumOff val="80000"/>
+            </a:schemeClr>
+          </a:solidFill>
+        </p:spPr>
+        <p:style>
+          <a:lnRef idx="2">
+            <a:schemeClr val="accent1">
+              <a:shade val="50000"/>
+            </a:schemeClr>
+          </a:lnRef>
+          <a:fillRef idx="1">
+            <a:schemeClr val="accent1"/>
+          </a:fillRef>
+          <a:effectRef idx="0">
+            <a:schemeClr val="accent1"/>
+          </a:effectRef>
+          <a:fontRef idx="minor">
+            <a:schemeClr val="lt1"/>
+          </a:fontRef>
+        </p:style>
+        <p:txBody>
+          <a:bodyPr rtlCol="0" anchor="ctr"/>
+          <a:lstStyle/>
+          <a:p>
+            <a:r>
+              <a:rPr lang="en-US" b="1" dirty="0">
+                <a:solidFill>
+                  <a:schemeClr val="tx1"/>
+                </a:solidFill>
+                <a:latin typeface="Times New Roman" panose="02020603050405020304" pitchFamily="18" charset="0"/>
+                <a:cs typeface="Times New Roman" panose="02020603050405020304" pitchFamily="18" charset="0"/>
+              </a:rPr>
+              <a:t>2. Data Link</a:t>
+            </a:r>
+          </a:p>
+        </p:txBody>
+      </p:sp>
+      <p:sp>
+        <p:nvSpPr>
+          <p:cNvPr id="22" name="Rectangle: Rounded Corners 21">
+            <a:extLst>
+              <a:ext uri="{FF2B5EF4-FFF2-40B4-BE49-F238E27FC236}">
+                <a16:creationId xmlns:a16="http://schemas.microsoft.com/office/drawing/2014/main" id="{F04E19F7-B161-4E71-9468-3BB9FA5DB2B4}"/>
+              </a:ext>
+            </a:extLst>
+          </p:cNvPr>
+          <p:cNvSpPr/>
+          <p:nvPr/>
+        </p:nvSpPr>
+        <p:spPr>
+          <a:xfrm>
+            <a:off x="1343025" y="5438775"/>
+            <a:ext cx="2257425" cy="571500"/>
+          </a:xfrm>
+          <a:prstGeom prst="roundRect">
+            <a:avLst/>
+          </a:prstGeom>
+          <a:solidFill>
+            <a:schemeClr val="accent6">
+              <a:lumMod val="20000"/>
+              <a:lumOff val="80000"/>
+            </a:schemeClr>
+          </a:solidFill>
+        </p:spPr>
+        <p:style>
+          <a:lnRef idx="2">
+            <a:schemeClr val="accent1">
+              <a:shade val="50000"/>
+            </a:schemeClr>
+          </a:lnRef>
+          <a:fillRef idx="1">
+            <a:schemeClr val="accent1"/>
+          </a:fillRef>
+          <a:effectRef idx="0">
+            <a:schemeClr val="accent1"/>
+          </a:effectRef>
+          <a:fontRef idx="minor">
+            <a:schemeClr val="lt1"/>
+          </a:fontRef>
+        </p:style>
+        <p:txBody>
+          <a:bodyPr rtlCol="0" anchor="ctr"/>
+          <a:lstStyle/>
+          <a:p>
+            <a:r>
+              <a:rPr lang="en-US" b="1" dirty="0">
+                <a:solidFill>
+                  <a:schemeClr val="tx1"/>
+                </a:solidFill>
+                <a:latin typeface="Times New Roman" panose="02020603050405020304" pitchFamily="18" charset="0"/>
+                <a:cs typeface="Times New Roman" panose="02020603050405020304" pitchFamily="18" charset="0"/>
+              </a:rPr>
+              <a:t>1. Physical</a:t>
+            </a:r>
+          </a:p>
+        </p:txBody>
+      </p:sp>
+    </p:spTree>
+    <p:extLst>
+      <p:ext uri="{BB962C8B-B14F-4D97-AF65-F5344CB8AC3E}">
+        <p14:creationId xmlns:p14="http://schemas.microsoft.com/office/powerpoint/2010/main" val="3785404485"/>
+      </p:ext>
+    </p:extLst>
+  </p:cSld>
+  <p:clrMapOvr>
+    <a:masterClrMapping/>
+  </p:clrMapOvr>
+</p:sld>
+</file>
+
 <file path=ppt/theme/theme1.xml><?xml version="1.0" encoding="utf-8"?>
 <a:theme xmlns:a="http://schemas.openxmlformats.org/drawingml/2006/main" name="Office Theme">
   <a:themeElements>
